--- a/PROJET 4.pptx
+++ b/PROJET 4.pptx
@@ -115,6 +115,11 @@
       </a:defRPr>
     </a:lvl9pPr>
   </p:defaultTextStyle>
+  <p:extLst>
+    <p:ext uri="{EFAFB233-063F-42B5-8137-9DF3F51BA10A}">
+      <p15:sldGuideLst xmlns:p15="http://schemas.microsoft.com/office/powerpoint/2012/main"/>
+    </p:ext>
+  </p:extLst>
 </p:presentation>
 </file>
 
@@ -265,7 +270,7 @@
           <a:p>
             <a:fld id="{F3FE9746-EC22-41B3-925B-4251173DEADF}" type="datetimeFigureOut">
               <a:rPr lang="fr-FR" smtClean="0"/>
-              <a:t>19/10/2021</a:t>
+              <a:t>21/10/2021</a:t>
             </a:fld>
             <a:endParaRPr lang="fr-FR"/>
           </a:p>
@@ -463,7 +468,7 @@
           <a:p>
             <a:fld id="{F3FE9746-EC22-41B3-925B-4251173DEADF}" type="datetimeFigureOut">
               <a:rPr lang="fr-FR" smtClean="0"/>
-              <a:t>19/10/2021</a:t>
+              <a:t>21/10/2021</a:t>
             </a:fld>
             <a:endParaRPr lang="fr-FR"/>
           </a:p>
@@ -671,7 +676,7 @@
           <a:p>
             <a:fld id="{F3FE9746-EC22-41B3-925B-4251173DEADF}" type="datetimeFigureOut">
               <a:rPr lang="fr-FR" smtClean="0"/>
-              <a:t>19/10/2021</a:t>
+              <a:t>21/10/2021</a:t>
             </a:fld>
             <a:endParaRPr lang="fr-FR"/>
           </a:p>
@@ -869,7 +874,7 @@
           <a:p>
             <a:fld id="{F3FE9746-EC22-41B3-925B-4251173DEADF}" type="datetimeFigureOut">
               <a:rPr lang="fr-FR" smtClean="0"/>
-              <a:t>19/10/2021</a:t>
+              <a:t>21/10/2021</a:t>
             </a:fld>
             <a:endParaRPr lang="fr-FR"/>
           </a:p>
@@ -1144,7 +1149,7 @@
           <a:p>
             <a:fld id="{F3FE9746-EC22-41B3-925B-4251173DEADF}" type="datetimeFigureOut">
               <a:rPr lang="fr-FR" smtClean="0"/>
-              <a:t>19/10/2021</a:t>
+              <a:t>21/10/2021</a:t>
             </a:fld>
             <a:endParaRPr lang="fr-FR"/>
           </a:p>
@@ -1409,7 +1414,7 @@
           <a:p>
             <a:fld id="{F3FE9746-EC22-41B3-925B-4251173DEADF}" type="datetimeFigureOut">
               <a:rPr lang="fr-FR" smtClean="0"/>
-              <a:t>19/10/2021</a:t>
+              <a:t>21/10/2021</a:t>
             </a:fld>
             <a:endParaRPr lang="fr-FR"/>
           </a:p>
@@ -1821,7 +1826,7 @@
           <a:p>
             <a:fld id="{F3FE9746-EC22-41B3-925B-4251173DEADF}" type="datetimeFigureOut">
               <a:rPr lang="fr-FR" smtClean="0"/>
-              <a:t>19/10/2021</a:t>
+              <a:t>21/10/2021</a:t>
             </a:fld>
             <a:endParaRPr lang="fr-FR"/>
           </a:p>
@@ -1962,7 +1967,7 @@
           <a:p>
             <a:fld id="{F3FE9746-EC22-41B3-925B-4251173DEADF}" type="datetimeFigureOut">
               <a:rPr lang="fr-FR" smtClean="0"/>
-              <a:t>19/10/2021</a:t>
+              <a:t>21/10/2021</a:t>
             </a:fld>
             <a:endParaRPr lang="fr-FR"/>
           </a:p>
@@ -2075,7 +2080,7 @@
           <a:p>
             <a:fld id="{F3FE9746-EC22-41B3-925B-4251173DEADF}" type="datetimeFigureOut">
               <a:rPr lang="fr-FR" smtClean="0"/>
-              <a:t>19/10/2021</a:t>
+              <a:t>21/10/2021</a:t>
             </a:fld>
             <a:endParaRPr lang="fr-FR"/>
           </a:p>
@@ -2386,7 +2391,7 @@
           <a:p>
             <a:fld id="{F3FE9746-EC22-41B3-925B-4251173DEADF}" type="datetimeFigureOut">
               <a:rPr lang="fr-FR" smtClean="0"/>
-              <a:t>19/10/2021</a:t>
+              <a:t>21/10/2021</a:t>
             </a:fld>
             <a:endParaRPr lang="fr-FR"/>
           </a:p>
@@ -2674,7 +2679,7 @@
           <a:p>
             <a:fld id="{F3FE9746-EC22-41B3-925B-4251173DEADF}" type="datetimeFigureOut">
               <a:rPr lang="fr-FR" smtClean="0"/>
-              <a:t>19/10/2021</a:t>
+              <a:t>21/10/2021</a:t>
             </a:fld>
             <a:endParaRPr lang="fr-FR"/>
           </a:p>
@@ -2915,7 +2920,7 @@
           <a:p>
             <a:fld id="{F3FE9746-EC22-41B3-925B-4251173DEADF}" type="datetimeFigureOut">
               <a:rPr lang="fr-FR" smtClean="0"/>
-              <a:t>19/10/2021</a:t>
+              <a:t>21/10/2021</a:t>
             </a:fld>
             <a:endParaRPr lang="fr-FR"/>
           </a:p>
@@ -3946,17 +3951,7 @@
                 <a:effectLst/>
                 <a:latin typeface="Roboto" panose="020B0604020202020204" pitchFamily="2" charset="0"/>
               </a:rPr>
-              <a:t> balise </a:t>
-            </a:r>
-            <a:r>
-              <a:rPr lang="fr-FR" b="1" i="0" dirty="0" err="1">
-                <a:solidFill>
-                  <a:srgbClr val="212529"/>
-                </a:solidFill>
-                <a:effectLst/>
-                <a:latin typeface="Roboto" panose="020B0604020202020204" pitchFamily="2" charset="0"/>
-              </a:rPr>
-              <a:t>metakeywords</a:t>
+              <a:t> balise Meta keywords</a:t>
             </a:r>
             <a:r>
               <a:rPr lang="fr-FR" b="0" i="0" dirty="0">
@@ -3966,27 +3961,7 @@
                 <a:effectLst/>
                 <a:latin typeface="Roboto" panose="020B0604020202020204" pitchFamily="2" charset="0"/>
               </a:rPr>
-              <a:t> est une balise </a:t>
-            </a:r>
-            <a:r>
-              <a:rPr lang="fr-FR" b="0" i="0" dirty="0" err="1">
-                <a:solidFill>
-                  <a:srgbClr val="212529"/>
-                </a:solidFill>
-                <a:effectLst/>
-                <a:latin typeface="Roboto" panose="020B0604020202020204" pitchFamily="2" charset="0"/>
-              </a:rPr>
-              <a:t>meta</a:t>
-            </a:r>
-            <a:r>
-              <a:rPr lang="fr-FR" b="0" i="0" dirty="0">
-                <a:solidFill>
-                  <a:srgbClr val="212529"/>
-                </a:solidFill>
-                <a:effectLst/>
-                <a:latin typeface="Roboto" panose="020B0604020202020204" pitchFamily="2" charset="0"/>
-              </a:rPr>
-              <a:t> du langage html. Cela signifie que c’est une balise qui se trouve dans le code source html d’une page.</a:t>
+              <a:t> est une balise méta du langage html. Cela signifie que c’est une balise qui se trouve dans le code source html d’une page.</a:t>
             </a:r>
           </a:p>
           <a:p>
@@ -4547,10 +4522,10 @@
       </p:sp>
       <p:pic>
         <p:nvPicPr>
-          <p:cNvPr id="5" name="Espace réservé du contenu 4">
-            <a:extLst>
-              <a:ext uri="{FF2B5EF4-FFF2-40B4-BE49-F238E27FC236}">
-                <a16:creationId xmlns:a16="http://schemas.microsoft.com/office/drawing/2014/main" id="{8D827D46-A81D-4435-9808-FC2EF0A1C96E}"/>
+          <p:cNvPr id="6" name="Espace réservé du contenu 5">
+            <a:extLst>
+              <a:ext uri="{FF2B5EF4-FFF2-40B4-BE49-F238E27FC236}">
+                <a16:creationId xmlns:a16="http://schemas.microsoft.com/office/drawing/2014/main" id="{C0CB25A5-4573-43D0-AD70-4A65B1C353D5}"/>
               </a:ext>
             </a:extLst>
           </p:cNvPr>
